--- a/04.18/stress/reduce stress.pptx
+++ b/04.18/stress/reduce stress.pptx
@@ -108,6 +108,11 @@
       </a:defRPr>
     </a:lvl9pPr>
   </p:defaultTextStyle>
+  <p:extLst>
+    <p:ext uri="{EFAFB233-063F-42B5-8137-9DF3F51BA10A}">
+      <p15:sldGuideLst xmlns:p15="http://schemas.microsoft.com/office/powerpoint/2012/main"/>
+    </p:ext>
+  </p:extLst>
 </p:presentation>
 </file>
 
@@ -193,7 +198,7 @@
           <a:p>
             <a:fld id="{1D9F435E-4443-4F6A-918E-239243087DAC}" type="datetimeFigureOut">
               <a:rPr lang="zh-CN" altLang="en-US" smtClean="0"/>
-              <a:t>2022/4/14</a:t>
+              <a:t>2022/4/19</a:t>
             </a:fld>
             <a:endParaRPr lang="zh-CN" altLang="en-US"/>
           </a:p>
@@ -6563,7 +6568,7 @@
           <p:nvPr/>
         </p:nvPicPr>
         <p:blipFill>
-          <a:blip r:embed="rId3"/>
+          <a:blip r:embed="rId11"/>
           <a:stretch>
             <a:fillRect/>
           </a:stretch>
@@ -6676,7 +6681,7 @@
           <p:nvPr/>
         </p:nvPicPr>
         <p:blipFill>
-          <a:blip r:embed="rId4"/>
+          <a:blip r:embed="rId12"/>
           <a:stretch>
             <a:fillRect/>
           </a:stretch>
@@ -6789,7 +6794,7 @@
           <p:nvPr/>
         </p:nvPicPr>
         <p:blipFill>
-          <a:blip r:embed="rId5"/>
+          <a:blip r:embed="rId13"/>
           <a:stretch>
             <a:fillRect/>
           </a:stretch>
@@ -7486,7 +7491,27 @@
                 <a:cs typeface="+mn-ea"/>
                 <a:sym typeface="+mn-lt"/>
               </a:rPr>
-              <a:t>Obviously, constant worry doesn't work. What we should do is to take the initiative to care about something related to this. Research has proved that anxiety comes from the unknown. Therefore, it is necessary to have a positive and comprehensive understanding of what you are anxious about.</a:t>
+              <a:t>Obviously, constant worry doesn't work. What we should do is </a:t>
+            </a:r>
+            <a:r>
+              <a:rPr lang="en-US" altLang="zh-CN" sz="1200" b="1" kern="0" dirty="0">
+                <a:solidFill>
+                  <a:prstClr val="white"/>
+                </a:solidFill>
+                <a:cs typeface="+mn-ea"/>
+                <a:sym typeface="+mn-lt"/>
+              </a:rPr>
+              <a:t>to take the initiative to care about something related to this</a:t>
+            </a:r>
+            <a:r>
+              <a:rPr lang="en-US" altLang="zh-CN" sz="1200" kern="0" dirty="0">
+                <a:solidFill>
+                  <a:prstClr val="white"/>
+                </a:solidFill>
+                <a:cs typeface="+mn-ea"/>
+                <a:sym typeface="+mn-lt"/>
+              </a:rPr>
+              <a:t>. Research has proved that anxiety comes from the unknown. Therefore, it is necessary to have a positive and comprehensive understanding of what you are anxious about.</a:t>
             </a:r>
             <a:endParaRPr kumimoji="0" lang="en-US" altLang="zh-CN" sz="1200" b="0" i="0" u="none" strike="noStrike" kern="0" cap="none" spc="0" normalizeH="0" baseline="0" noProof="0" dirty="0">
               <a:ln>
@@ -7802,9 +7827,19 @@
                 <a:cs typeface="+mn-ea"/>
                 <a:sym typeface="+mn-lt"/>
               </a:rPr>
-              <a:t>During the epidemic, you may have a lot of time unconsciously wasted. At this time, finding a book to read is undoubtedly a good choice</a:t>
+              <a:t>During the epidemic, you may have a lot of time unconsciously wasted. At this time, </a:t>
             </a:r>
-            <a:endParaRPr kumimoji="0" lang="en-US" altLang="zh-CN" sz="1100" b="0" i="0" u="none" strike="noStrike" kern="0" cap="none" spc="0" normalizeH="0" baseline="0" noProof="0" dirty="0">
+            <a:r>
+              <a:rPr lang="en-US" altLang="zh-CN" sz="1100" b="1" kern="0" dirty="0">
+                <a:solidFill>
+                  <a:prstClr val="white"/>
+                </a:solidFill>
+                <a:cs typeface="+mn-ea"/>
+                <a:sym typeface="+mn-lt"/>
+              </a:rPr>
+              <a:t>finding a book to read is undoubtedly a good choice.</a:t>
+            </a:r>
+            <a:endParaRPr kumimoji="0" lang="en-US" altLang="zh-CN" sz="1100" b="1" i="0" u="none" strike="noStrike" kern="0" cap="none" spc="0" normalizeH="0" baseline="0" noProof="0" dirty="0">
               <a:ln>
                 <a:noFill/>
               </a:ln>
@@ -8454,7 +8489,7 @@
                 <a:cs typeface="+mn-ea"/>
                 <a:sym typeface="+mn-lt"/>
               </a:rPr>
-              <a:t>There is no doubt that listening to music, although it is a very old-fashioned way, is indeed very useful. It should be noted that </a:t>
+              <a:t>There is no doubt that listening to music, although it is a very old-fashioned way, is indeed very useful. It should be noted that you don't need to care what music your English teacher or others like. </a:t>
             </a:r>
             <a:r>
               <a:rPr lang="en-US" altLang="zh-CN" sz="1200" b="1" kern="0" dirty="0">
@@ -8464,7 +8499,7 @@
                 <a:cs typeface="+mn-ea"/>
                 <a:sym typeface="+mn-lt"/>
               </a:rPr>
-              <a:t>you don't need to care what music your English teacher or others like</a:t>
+              <a:t>You just need to find what you like</a:t>
             </a:r>
             <a:r>
               <a:rPr lang="en-US" altLang="zh-CN" sz="1200" kern="0" dirty="0">
@@ -8474,9 +8509,19 @@
                 <a:cs typeface="+mn-ea"/>
                 <a:sym typeface="+mn-lt"/>
               </a:rPr>
-              <a:t>. You just need to find what you like (usually music that makes you feel comfortable) and then cycle the single!</a:t>
+              <a:t> (usually music that makes you feel comfortable) </a:t>
             </a:r>
-            <a:endParaRPr kumimoji="0" lang="en-US" altLang="zh-CN" sz="1200" b="0" i="0" u="none" strike="noStrike" kern="0" cap="none" spc="0" normalizeH="0" baseline="0" noProof="0" dirty="0">
+            <a:r>
+              <a:rPr lang="en-US" altLang="zh-CN" sz="1200" b="1" kern="0" dirty="0">
+                <a:solidFill>
+                  <a:prstClr val="white"/>
+                </a:solidFill>
+                <a:cs typeface="+mn-ea"/>
+                <a:sym typeface="+mn-lt"/>
+              </a:rPr>
+              <a:t>and then cycle the single!</a:t>
+            </a:r>
+            <a:endParaRPr kumimoji="0" lang="en-US" altLang="zh-CN" sz="1200" b="1" i="0" u="none" strike="noStrike" kern="0" cap="none" spc="0" normalizeH="0" baseline="0" noProof="0" dirty="0">
               <a:ln>
                 <a:noFill/>
               </a:ln>
@@ -8723,7 +8768,7 @@
           <p:nvPr/>
         </p:nvPicPr>
         <p:blipFill>
-          <a:blip r:embed="rId6"/>
+          <a:blip r:embed="rId14"/>
           <a:stretch>
             <a:fillRect/>
           </a:stretch>
@@ -8753,13 +8798,13 @@
           <p:nvPr/>
         </p:nvPicPr>
         <p:blipFill>
-          <a:blip r:embed="rId7">
+          <a:blip r:embed="rId15">
             <a:extLst>
               <a:ext uri="{28A0092B-C50C-407E-A947-70E740481C1C}">
                 <a14:useLocalDpi xmlns:a14="http://schemas.microsoft.com/office/drawing/2010/main" val="0"/>
               </a:ext>
               <a:ext uri="{96DAC541-7B7A-43D3-8B79-37D633B846F1}">
-                <asvg:svgBlip xmlns:asvg="http://schemas.microsoft.com/office/drawing/2016/SVG/main" r:embed="rId8"/>
+                <asvg:svgBlip xmlns:asvg="http://schemas.microsoft.com/office/drawing/2016/SVG/main" r:embed="rId16"/>
               </a:ext>
             </a:extLst>
           </a:blip>
@@ -8792,13 +8837,13 @@
           <p:nvPr/>
         </p:nvPicPr>
         <p:blipFill>
-          <a:blip r:embed="rId9">
+          <a:blip r:embed="rId17">
             <a:extLst>
               <a:ext uri="{28A0092B-C50C-407E-A947-70E740481C1C}">
                 <a14:useLocalDpi xmlns:a14="http://schemas.microsoft.com/office/drawing/2010/main" val="0"/>
               </a:ext>
               <a:ext uri="{96DAC541-7B7A-43D3-8B79-37D633B846F1}">
-                <asvg:svgBlip xmlns:asvg="http://schemas.microsoft.com/office/drawing/2016/SVG/main" r:embed="rId10"/>
+                <asvg:svgBlip xmlns:asvg="http://schemas.microsoft.com/office/drawing/2016/SVG/main" r:embed="rId18"/>
               </a:ext>
             </a:extLst>
           </a:blip>
@@ -8831,13 +8876,13 @@
           <p:nvPr/>
         </p:nvPicPr>
         <p:blipFill>
-          <a:blip r:embed="rId7">
+          <a:blip r:embed="rId15">
             <a:extLst>
               <a:ext uri="{28A0092B-C50C-407E-A947-70E740481C1C}">
                 <a14:useLocalDpi xmlns:a14="http://schemas.microsoft.com/office/drawing/2010/main" val="0"/>
               </a:ext>
               <a:ext uri="{96DAC541-7B7A-43D3-8B79-37D633B846F1}">
-                <asvg:svgBlip xmlns:asvg="http://schemas.microsoft.com/office/drawing/2016/SVG/main" r:embed="rId8"/>
+                <asvg:svgBlip xmlns:asvg="http://schemas.microsoft.com/office/drawing/2016/SVG/main" r:embed="rId16"/>
               </a:ext>
             </a:extLst>
           </a:blip>
@@ -8849,6 +8894,158 @@
           <a:xfrm rot="1365293">
             <a:off x="10134353" y="5580734"/>
             <a:ext cx="596953" cy="596953"/>
+          </a:xfrm>
+          <a:prstGeom prst="rect">
+            <a:avLst/>
+          </a:prstGeom>
+        </p:spPr>
+      </p:pic>
+      <p:pic>
+        <p:nvPicPr>
+          <p:cNvPr id="2" name="wrf">
+            <a:hlinkClick r:id="" action="ppaction://media"/>
+            <a:extLst>
+              <a:ext uri="{FF2B5EF4-FFF2-40B4-BE49-F238E27FC236}">
+                <a16:creationId xmlns:a16="http://schemas.microsoft.com/office/drawing/2014/main" id="{B71669BB-9C79-4B62-AFEB-2C8B130420BF}"/>
+              </a:ext>
+            </a:extLst>
+          </p:cNvPr>
+          <p:cNvPicPr>
+            <a:picLocks noChangeAspect="1"/>
+          </p:cNvPicPr>
+          <p:nvPr>
+            <a:audioFile r:link="rId2"/>
+            <p:extLst>
+              <p:ext uri="{DAA4B4D4-6D71-4841-9C94-3DE7FCFB9230}">
+                <p14:media xmlns:p14="http://schemas.microsoft.com/office/powerpoint/2010/main" r:embed="rId1"/>
+              </p:ext>
+            </p:extLst>
+          </p:nvPr>
+        </p:nvPicPr>
+        <p:blipFill>
+          <a:blip r:embed="rId19"/>
+          <a:stretch>
+            <a:fillRect/>
+          </a:stretch>
+        </p:blipFill>
+        <p:spPr>
+          <a:xfrm>
+            <a:off x="8143421" y="5000856"/>
+            <a:ext cx="609600" cy="609600"/>
+          </a:xfrm>
+          <a:prstGeom prst="rect">
+            <a:avLst/>
+          </a:prstGeom>
+        </p:spPr>
+      </p:pic>
+      <p:pic>
+        <p:nvPicPr>
+          <p:cNvPr id="3" name="cyx">
+            <a:hlinkClick r:id="" action="ppaction://media"/>
+            <a:extLst>
+              <a:ext uri="{FF2B5EF4-FFF2-40B4-BE49-F238E27FC236}">
+                <a16:creationId xmlns:a16="http://schemas.microsoft.com/office/drawing/2014/main" id="{74878B1A-DB26-4951-AA51-A512281086EA}"/>
+              </a:ext>
+            </a:extLst>
+          </p:cNvPr>
+          <p:cNvPicPr>
+            <a:picLocks noChangeAspect="1"/>
+          </p:cNvPicPr>
+          <p:nvPr>
+            <a:audioFile r:link="rId4"/>
+            <p:extLst>
+              <p:ext uri="{DAA4B4D4-6D71-4841-9C94-3DE7FCFB9230}">
+                <p14:media xmlns:p14="http://schemas.microsoft.com/office/powerpoint/2010/main" r:embed="rId3"/>
+              </p:ext>
+            </p:extLst>
+          </p:nvPr>
+        </p:nvPicPr>
+        <p:blipFill>
+          <a:blip r:embed="rId19"/>
+          <a:stretch>
+            <a:fillRect/>
+          </a:stretch>
+        </p:blipFill>
+        <p:spPr>
+          <a:xfrm>
+            <a:off x="595129" y="2485900"/>
+            <a:ext cx="609600" cy="609600"/>
+          </a:xfrm>
+          <a:prstGeom prst="rect">
+            <a:avLst/>
+          </a:prstGeom>
+        </p:spPr>
+      </p:pic>
+      <p:pic>
+        <p:nvPicPr>
+          <p:cNvPr id="4" name="lc">
+            <a:hlinkClick r:id="" action="ppaction://media"/>
+            <a:extLst>
+              <a:ext uri="{FF2B5EF4-FFF2-40B4-BE49-F238E27FC236}">
+                <a16:creationId xmlns:a16="http://schemas.microsoft.com/office/drawing/2014/main" id="{2DFADB19-14D2-4FAF-96FD-74B1661E940F}"/>
+              </a:ext>
+            </a:extLst>
+          </p:cNvPr>
+          <p:cNvPicPr>
+            <a:picLocks noChangeAspect="1"/>
+          </p:cNvPicPr>
+          <p:nvPr>
+            <a:audioFile r:link="rId6"/>
+            <p:extLst>
+              <p:ext uri="{DAA4B4D4-6D71-4841-9C94-3DE7FCFB9230}">
+                <p14:media xmlns:p14="http://schemas.microsoft.com/office/powerpoint/2010/main" r:embed="rId5"/>
+              </p:ext>
+            </p:extLst>
+          </p:nvPr>
+        </p:nvPicPr>
+        <p:blipFill>
+          <a:blip r:embed="rId19"/>
+          <a:stretch>
+            <a:fillRect/>
+          </a:stretch>
+        </p:blipFill>
+        <p:spPr>
+          <a:xfrm>
+            <a:off x="8125376" y="1327750"/>
+            <a:ext cx="609600" cy="609600"/>
+          </a:xfrm>
+          <a:prstGeom prst="rect">
+            <a:avLst/>
+          </a:prstGeom>
+        </p:spPr>
+      </p:pic>
+      <p:pic>
+        <p:nvPicPr>
+          <p:cNvPr id="25" name="zjm">
+            <a:hlinkClick r:id="" action="ppaction://media"/>
+            <a:extLst>
+              <a:ext uri="{FF2B5EF4-FFF2-40B4-BE49-F238E27FC236}">
+                <a16:creationId xmlns:a16="http://schemas.microsoft.com/office/drawing/2014/main" id="{2B792742-FED2-46DA-8A54-1DD9188B35B1}"/>
+              </a:ext>
+            </a:extLst>
+          </p:cNvPr>
+          <p:cNvPicPr>
+            <a:picLocks noChangeAspect="1"/>
+          </p:cNvPicPr>
+          <p:nvPr>
+            <a:audioFile r:link="rId8"/>
+            <p:extLst>
+              <p:ext uri="{DAA4B4D4-6D71-4841-9C94-3DE7FCFB9230}">
+                <p14:media xmlns:p14="http://schemas.microsoft.com/office/powerpoint/2010/main" r:embed="rId7"/>
+              </p:ext>
+            </p:extLst>
+          </p:nvPr>
+        </p:nvPicPr>
+        <p:blipFill>
+          <a:blip r:embed="rId19"/>
+          <a:stretch>
+            <a:fillRect/>
+          </a:stretch>
+        </p:blipFill>
+        <p:spPr>
+          <a:xfrm>
+            <a:off x="595129" y="5442572"/>
+            <a:ext cx="609600" cy="609600"/>
           </a:xfrm>
           <a:prstGeom prst="rect">
             <a:avLst/>
@@ -9401,6 +9598,146 @@
                       </p:childTnLst>
                     </p:cTn>
                   </p:par>
+                  <p:par>
+                    <p:cTn id="40" fill="hold">
+                      <p:stCondLst>
+                        <p:cond delay="indefinite"/>
+                      </p:stCondLst>
+                      <p:childTnLst>
+                        <p:par>
+                          <p:cTn id="41" fill="hold">
+                            <p:stCondLst>
+                              <p:cond delay="0"/>
+                            </p:stCondLst>
+                            <p:childTnLst>
+                              <p:par>
+                                <p:cTn id="42" presetID="1" presetClass="mediacall" presetSubtype="0" fill="hold" nodeType="clickEffect">
+                                  <p:stCondLst>
+                                    <p:cond delay="0"/>
+                                  </p:stCondLst>
+                                  <p:childTnLst>
+                                    <p:cmd type="call" cmd="playFrom(0.0)">
+                                      <p:cBhvr>
+                                        <p:cTn id="43" dur="34645" fill="hold"/>
+                                        <p:tgtEl>
+                                          <p:spTgt spid="2"/>
+                                        </p:tgtEl>
+                                      </p:cBhvr>
+                                    </p:cmd>
+                                  </p:childTnLst>
+                                </p:cTn>
+                              </p:par>
+                            </p:childTnLst>
+                          </p:cTn>
+                        </p:par>
+                      </p:childTnLst>
+                    </p:cTn>
+                  </p:par>
+                  <p:par>
+                    <p:cTn id="44" fill="hold">
+                      <p:stCondLst>
+                        <p:cond delay="indefinite"/>
+                      </p:stCondLst>
+                      <p:childTnLst>
+                        <p:par>
+                          <p:cTn id="45" fill="hold">
+                            <p:stCondLst>
+                              <p:cond delay="0"/>
+                            </p:stCondLst>
+                            <p:childTnLst>
+                              <p:par>
+                                <p:cTn id="46" presetID="1" presetClass="mediacall" presetSubtype="0" fill="hold" nodeType="clickEffect">
+                                  <p:stCondLst>
+                                    <p:cond delay="0"/>
+                                  </p:stCondLst>
+                                  <p:childTnLst>
+                                    <p:cmd type="call" cmd="playFrom(0.0)">
+                                      <p:cBhvr>
+                                        <p:cTn id="47" dur="34005" fill="hold"/>
+                                        <p:tgtEl>
+                                          <p:spTgt spid="3"/>
+                                        </p:tgtEl>
+                                      </p:cBhvr>
+                                    </p:cmd>
+                                  </p:childTnLst>
+                                </p:cTn>
+                              </p:par>
+                            </p:childTnLst>
+                          </p:cTn>
+                        </p:par>
+                      </p:childTnLst>
+                    </p:cTn>
+                  </p:par>
+                  <p:par>
+                    <p:cTn id="48" fill="hold">
+                      <p:stCondLst>
+                        <p:cond delay="indefinite"/>
+                      </p:stCondLst>
+                      <p:childTnLst>
+                        <p:par>
+                          <p:cTn id="49" fill="hold">
+                            <p:stCondLst>
+                              <p:cond delay="0"/>
+                            </p:stCondLst>
+                            <p:childTnLst>
+                              <p:par>
+                                <p:cTn id="50" presetID="1" presetClass="mediacall" presetSubtype="0" fill="hold" nodeType="clickEffect">
+                                  <p:stCondLst>
+                                    <p:cond delay="0"/>
+                                  </p:stCondLst>
+                                  <p:childTnLst>
+                                    <p:cmd type="call" cmd="playFrom(0.0)">
+                                      <p:cBhvr>
+                                        <p:cTn id="51" dur="30389" fill="hold"/>
+                                        <p:tgtEl>
+                                          <p:spTgt spid="4"/>
+                                        </p:tgtEl>
+                                      </p:cBhvr>
+                                    </p:cmd>
+                                  </p:childTnLst>
+                                </p:cTn>
+                              </p:par>
+                            </p:childTnLst>
+                          </p:cTn>
+                        </p:par>
+                      </p:childTnLst>
+                    </p:cTn>
+                  </p:par>
+                  <p:par>
+                    <p:cTn id="52" fill="hold">
+                      <p:stCondLst>
+                        <p:cond delay="indefinite"/>
+                      </p:stCondLst>
+                      <p:childTnLst>
+                        <p:par>
+                          <p:cTn id="53" fill="hold">
+                            <p:stCondLst>
+                              <p:cond delay="0"/>
+                            </p:stCondLst>
+                            <p:childTnLst>
+                              <p:par>
+                                <p:cTn id="54" presetID="1" presetClass="mediacall" presetSubtype="0" fill="hold" nodeType="clickEffect">
+                                  <p:stCondLst>
+                                    <p:cond delay="0"/>
+                                  </p:stCondLst>
+                                  <p:childTnLst>
+                                    <p:cmd type="call" cmd="playFrom(0.0)">
+                                      <p:cBhvr>
+                                        <p:cTn id="55" dur="21153" fill="hold"/>
+                                        <p:tgtEl>
+                                          <p:spTgt spid="25"/>
+                                        </p:tgtEl>
+                                      </p:cBhvr>
+                                    </p:cmd>
+                                  </p:childTnLst>
+                                </p:cTn>
+                              </p:par>
+                            </p:childTnLst>
+                          </p:cTn>
+                        </p:par>
+                      </p:childTnLst>
+                    </p:cTn>
+                  </p:par>
                 </p:childTnLst>
               </p:cTn>
               <p:prevCondLst>
@@ -9418,6 +9755,82 @@
                 </p:cond>
               </p:nextCondLst>
             </p:seq>
+            <p:audio>
+              <p:cMediaNode vol="80000">
+                <p:cTn id="56" fill="hold" display="0">
+                  <p:stCondLst>
+                    <p:cond delay="indefinite"/>
+                  </p:stCondLst>
+                  <p:endCondLst>
+                    <p:cond evt="onStopAudio" delay="0">
+                      <p:tgtEl>
+                        <p:sldTgt/>
+                      </p:tgtEl>
+                    </p:cond>
+                  </p:endCondLst>
+                </p:cTn>
+                <p:tgtEl>
+                  <p:spTgt spid="2"/>
+                </p:tgtEl>
+              </p:cMediaNode>
+            </p:audio>
+            <p:audio>
+              <p:cMediaNode vol="80000">
+                <p:cTn id="57" fill="hold" display="0">
+                  <p:stCondLst>
+                    <p:cond delay="indefinite"/>
+                  </p:stCondLst>
+                  <p:endCondLst>
+                    <p:cond evt="onStopAudio" delay="0">
+                      <p:tgtEl>
+                        <p:sldTgt/>
+                      </p:tgtEl>
+                    </p:cond>
+                  </p:endCondLst>
+                </p:cTn>
+                <p:tgtEl>
+                  <p:spTgt spid="3"/>
+                </p:tgtEl>
+              </p:cMediaNode>
+            </p:audio>
+            <p:audio>
+              <p:cMediaNode vol="80000">
+                <p:cTn id="58" fill="hold" display="0">
+                  <p:stCondLst>
+                    <p:cond delay="indefinite"/>
+                  </p:stCondLst>
+                  <p:endCondLst>
+                    <p:cond evt="onStopAudio" delay="0">
+                      <p:tgtEl>
+                        <p:sldTgt/>
+                      </p:tgtEl>
+                    </p:cond>
+                  </p:endCondLst>
+                </p:cTn>
+                <p:tgtEl>
+                  <p:spTgt spid="4"/>
+                </p:tgtEl>
+              </p:cMediaNode>
+            </p:audio>
+            <p:audio>
+              <p:cMediaNode vol="80000">
+                <p:cTn id="59" fill="hold" display="0">
+                  <p:stCondLst>
+                    <p:cond delay="indefinite"/>
+                  </p:stCondLst>
+                  <p:endCondLst>
+                    <p:cond evt="onStopAudio" delay="0">
+                      <p:tgtEl>
+                        <p:sldTgt/>
+                      </p:tgtEl>
+                    </p:cond>
+                  </p:endCondLst>
+                </p:cTn>
+                <p:tgtEl>
+                  <p:spTgt spid="25"/>
+                </p:tgtEl>
+              </p:cMediaNode>
+            </p:audio>
           </p:childTnLst>
         </p:cTn>
       </p:par>
